--- a/raspberry-pi-report/ラズパイのリモート共有化のはまりどころ.pptx
+++ b/raspberry-pi-report/ラズパイのリモート共有化のはまりどころ.pptx
@@ -1903,7 +1903,7 @@
   <pc:docChgLst>
     <pc:chgData name="Yoshiharu Hamaguchi" userId="470e288704938fe9" providerId="LiveId" clId="{5B968CF2-AD48-4112-9DD7-6A7000562872}"/>
     <pc:docChg chg="undo custSel addSld delSld modSld">
-      <pc:chgData name="Yoshiharu Hamaguchi" userId="470e288704938fe9" providerId="LiveId" clId="{5B968CF2-AD48-4112-9DD7-6A7000562872}" dt="2024-09-02T23:58:52.661" v="952" actId="20577"/>
+      <pc:chgData name="Yoshiharu Hamaguchi" userId="470e288704938fe9" providerId="LiveId" clId="{5B968CF2-AD48-4112-9DD7-6A7000562872}" dt="2024-09-03T00:02:01.219" v="984" actId="20577"/>
       <pc:docMkLst>
         <pc:docMk/>
       </pc:docMkLst>
@@ -1965,13 +1965,13 @@
         </pc:sldMkLst>
       </pc:sldChg>
       <pc:sldChg chg="modSp mod">
-        <pc:chgData name="Yoshiharu Hamaguchi" userId="470e288704938fe9" providerId="LiveId" clId="{5B968CF2-AD48-4112-9DD7-6A7000562872}" dt="2024-09-02T23:37:55.437" v="416" actId="20577"/>
+        <pc:chgData name="Yoshiharu Hamaguchi" userId="470e288704938fe9" providerId="LiveId" clId="{5B968CF2-AD48-4112-9DD7-6A7000562872}" dt="2024-09-03T00:01:37.705" v="969" actId="20577"/>
         <pc:sldMkLst>
           <pc:docMk/>
           <pc:sldMk cId="4184878086" sldId="265"/>
         </pc:sldMkLst>
         <pc:spChg chg="mod">
-          <ac:chgData name="Yoshiharu Hamaguchi" userId="470e288704938fe9" providerId="LiveId" clId="{5B968CF2-AD48-4112-9DD7-6A7000562872}" dt="2024-09-02T23:37:55.437" v="416" actId="20577"/>
+          <ac:chgData name="Yoshiharu Hamaguchi" userId="470e288704938fe9" providerId="LiveId" clId="{5B968CF2-AD48-4112-9DD7-6A7000562872}" dt="2024-09-03T00:01:37.705" v="969" actId="20577"/>
           <ac:spMkLst>
             <pc:docMk/>
             <pc:sldMk cId="4184878086" sldId="265"/>
@@ -1980,7 +1980,7 @@
         </pc:spChg>
       </pc:sldChg>
       <pc:sldChg chg="addSp delSp modSp mod">
-        <pc:chgData name="Yoshiharu Hamaguchi" userId="470e288704938fe9" providerId="LiveId" clId="{5B968CF2-AD48-4112-9DD7-6A7000562872}" dt="2024-09-02T23:57:45.857" v="951" actId="20577"/>
+        <pc:chgData name="Yoshiharu Hamaguchi" userId="470e288704938fe9" providerId="LiveId" clId="{5B968CF2-AD48-4112-9DD7-6A7000562872}" dt="2024-09-03T00:02:01.219" v="984" actId="20577"/>
         <pc:sldMkLst>
           <pc:docMk/>
           <pc:sldMk cId="2588390465" sldId="266"/>
@@ -2002,7 +2002,7 @@
           </ac:spMkLst>
         </pc:spChg>
         <pc:spChg chg="add mod">
-          <ac:chgData name="Yoshiharu Hamaguchi" userId="470e288704938fe9" providerId="LiveId" clId="{5B968CF2-AD48-4112-9DD7-6A7000562872}" dt="2024-09-02T23:50:33.179" v="543" actId="1076"/>
+          <ac:chgData name="Yoshiharu Hamaguchi" userId="470e288704938fe9" providerId="LiveId" clId="{5B968CF2-AD48-4112-9DD7-6A7000562872}" dt="2024-09-03T00:02:01.219" v="984" actId="20577"/>
           <ac:spMkLst>
             <pc:docMk/>
             <pc:sldMk cId="2588390465" sldId="266"/>
@@ -2235,7 +2235,7 @@
         </pc:cxnChg>
       </pc:sldChg>
       <pc:sldChg chg="modSp add mod">
-        <pc:chgData name="Yoshiharu Hamaguchi" userId="470e288704938fe9" providerId="LiveId" clId="{5B968CF2-AD48-4112-9DD7-6A7000562872}" dt="2024-09-02T23:58:52.661" v="952" actId="20577"/>
+        <pc:chgData name="Yoshiharu Hamaguchi" userId="470e288704938fe9" providerId="LiveId" clId="{5B968CF2-AD48-4112-9DD7-6A7000562872}" dt="2024-09-03T00:01:52.648" v="975" actId="20577"/>
         <pc:sldMkLst>
           <pc:docMk/>
           <pc:sldMk cId="995868031" sldId="267"/>
@@ -2254,6 +2254,14 @@
             <pc:docMk/>
             <pc:sldMk cId="995868031" sldId="267"/>
             <ac:spMk id="3" creationId="{EBF632E4-1CC5-E2DB-89E7-8974D5AD2FE3}"/>
+          </ac:spMkLst>
+        </pc:spChg>
+        <pc:spChg chg="mod">
+          <ac:chgData name="Yoshiharu Hamaguchi" userId="470e288704938fe9" providerId="LiveId" clId="{5B968CF2-AD48-4112-9DD7-6A7000562872}" dt="2024-09-03T00:01:52.648" v="975" actId="20577"/>
+          <ac:spMkLst>
+            <pc:docMk/>
+            <pc:sldMk cId="995868031" sldId="267"/>
+            <ac:spMk id="36" creationId="{98A691B7-C910-828F-DAAD-390E3BD665BA}"/>
           </ac:spMkLst>
         </pc:spChg>
       </pc:sldChg>
@@ -5975,7 +5983,19 @@
             </a:r>
             <a:r>
               <a:rPr kumimoji="1" lang="ja-JP" altLang="en-US" dirty="0"/>
-              <a:t>と記載）の環境を、安全かつ気軽にみんなからアクセスできるようにしたいが、現状うまくいっていない。</a:t>
+              <a:t>と記載）の環境を、安全かつ気軽に</a:t>
+            </a:r>
+            <a:r>
+              <a:rPr lang="ja-JP" altLang="en-US" dirty="0"/>
+              <a:t>各自の</a:t>
+            </a:r>
+            <a:r>
+              <a:rPr lang="en-US" altLang="ja-JP" dirty="0"/>
+              <a:t>PC</a:t>
+            </a:r>
+            <a:r>
+              <a:rPr kumimoji="1" lang="ja-JP" altLang="en-US" dirty="0"/>
+              <a:t>からアクセスできるようにしたいが、現状うまくいっていない。</a:t>
             </a:r>
             <a:endParaRPr kumimoji="1" lang="en-US" altLang="ja-JP" dirty="0"/>
           </a:p>
@@ -6496,7 +6516,19 @@
           <a:p>
             <a:r>
               <a:rPr kumimoji="1" lang="en-US" altLang="ja-JP" sz="1400" dirty="0"/>
-              <a:t>IP: 120.xxx.xxx.15</a:t>
+              <a:t>IP: </a:t>
+            </a:r>
+            <a:r>
+              <a:rPr lang="en-US" altLang="ja-JP" sz="1400" dirty="0"/>
+              <a:t>xxx</a:t>
+            </a:r>
+            <a:r>
+              <a:rPr kumimoji="1" lang="en-US" altLang="ja-JP" sz="1400" dirty="0"/>
+              <a:t>.xxx.</a:t>
+            </a:r>
+            <a:r>
+              <a:rPr kumimoji="1" lang="en-US" altLang="ja-JP" sz="1400"/>
+              <a:t>xxx.xxx</a:t>
             </a:r>
             <a:endParaRPr kumimoji="1" lang="ja-JP" altLang="en-US" sz="1400" dirty="0"/>
           </a:p>
@@ -7405,7 +7437,11 @@
           <a:p>
             <a:r>
               <a:rPr kumimoji="1" lang="en-US" altLang="ja-JP" sz="1400" dirty="0"/>
-              <a:t>IP: 120.xxx.xxx.15</a:t>
+              <a:t>IP: </a:t>
+            </a:r>
+            <a:r>
+              <a:rPr kumimoji="1" lang="en-US" altLang="ja-JP" sz="1400" dirty="0" err="1"/>
+              <a:t>xxx.xxx.xxx.xxx</a:t>
             </a:r>
             <a:endParaRPr kumimoji="1" lang="ja-JP" altLang="en-US" sz="1400" dirty="0"/>
           </a:p>
